--- a/基础PPT/JavaSE进阶第三版/第2章：Java字符串详解.pptx
+++ b/基础PPT/JavaSE进阶第三版/第2章：Java字符串详解.pptx
@@ -5,7 +5,7 @@
     <p:sldMasterId id="2147483648" r:id="rId1"/>
   </p:sldMasterIdLst>
   <p:notesMasterIdLst>
-    <p:notesMasterId r:id="rId29"/>
+    <p:notesMasterId r:id="rId28"/>
   </p:notesMasterIdLst>
   <p:sldIdLst>
     <p:sldId id="660" r:id="rId3"/>
@@ -17,23 +17,22 @@
     <p:sldId id="749" r:id="rId9"/>
     <p:sldId id="680" r:id="rId10"/>
     <p:sldId id="703" r:id="rId11"/>
-    <p:sldId id="663" r:id="rId12"/>
-    <p:sldId id="750" r:id="rId13"/>
-    <p:sldId id="709" r:id="rId14"/>
-    <p:sldId id="710" r:id="rId15"/>
-    <p:sldId id="704" r:id="rId16"/>
-    <p:sldId id="690" r:id="rId17"/>
-    <p:sldId id="705" r:id="rId18"/>
-    <p:sldId id="665" r:id="rId19"/>
-    <p:sldId id="666" r:id="rId20"/>
-    <p:sldId id="667" r:id="rId21"/>
-    <p:sldId id="706" r:id="rId22"/>
-    <p:sldId id="707" r:id="rId23"/>
-    <p:sldId id="668" r:id="rId24"/>
-    <p:sldId id="708" r:id="rId25"/>
-    <p:sldId id="698" r:id="rId26"/>
-    <p:sldId id="669" r:id="rId27"/>
-    <p:sldId id="662" r:id="rId28"/>
+    <p:sldId id="750" r:id="rId12"/>
+    <p:sldId id="709" r:id="rId13"/>
+    <p:sldId id="710" r:id="rId14"/>
+    <p:sldId id="704" r:id="rId15"/>
+    <p:sldId id="690" r:id="rId16"/>
+    <p:sldId id="705" r:id="rId17"/>
+    <p:sldId id="665" r:id="rId18"/>
+    <p:sldId id="666" r:id="rId19"/>
+    <p:sldId id="667" r:id="rId20"/>
+    <p:sldId id="706" r:id="rId21"/>
+    <p:sldId id="707" r:id="rId22"/>
+    <p:sldId id="668" r:id="rId23"/>
+    <p:sldId id="708" r:id="rId24"/>
+    <p:sldId id="698" r:id="rId25"/>
+    <p:sldId id="669" r:id="rId26"/>
+    <p:sldId id="662" r:id="rId27"/>
   </p:sldIdLst>
   <p:sldSz cx="12192000" cy="6858000"/>
   <p:notesSz cx="6858000" cy="9144000"/>
@@ -6372,226 +6371,6 @@
       <p:grpSpPr/>
       <p:sp>
         <p:nvSpPr>
-          <p:cNvPr id="3" name="文本框 2"/>
-          <p:cNvSpPr txBox="1"/>
-          <p:nvPr/>
-        </p:nvSpPr>
-        <p:spPr>
-          <a:xfrm>
-            <a:off x="494665" y="864870"/>
-            <a:ext cx="6557010" cy="5815965"/>
-          </a:xfrm>
-          <a:prstGeom prst="rect">
-            <a:avLst/>
-          </a:prstGeom>
-          <a:noFill/>
-        </p:spPr>
-        <p:txBody>
-          <a:bodyPr wrap="square" rtlCol="0">
-            <a:spAutoFit/>
-          </a:bodyPr>
-          <a:p>
-            <a:r>
-              <a:rPr lang="zh-CN" altLang="en-US">
-                <a:sym typeface="+mn-ea"/>
-              </a:rPr>
-              <a:t>字符串连接的几种方式</a:t>
-            </a:r>
-            <a:endParaRPr lang="zh-CN" altLang="en-US"/>
-          </a:p>
-          <a:p>
-            <a:endParaRPr lang="zh-CN" altLang="en-US">
-              <a:latin typeface="宋体" panose="02010600030101010101" pitchFamily="2" charset="-122"/>
-              <a:ea typeface="宋体" panose="02010600030101010101" pitchFamily="2" charset="-122"/>
-              <a:cs typeface="宋体" panose="02010600030101010101" pitchFamily="2" charset="-122"/>
-            </a:endParaRPr>
-          </a:p>
-          <a:p>
-            <a:r>
-              <a:rPr lang="zh-CN" altLang="en-US" sz="1600">
-                <a:latin typeface="宋体" panose="02010600030101010101" pitchFamily="2" charset="-122"/>
-                <a:ea typeface="宋体" panose="02010600030101010101" pitchFamily="2" charset="-122"/>
-                <a:cs typeface="宋体" panose="02010600030101010101" pitchFamily="2" charset="-122"/>
-              </a:rPr>
-              <a:t>1.String 类的连接方法</a:t>
-            </a:r>
-            <a:endParaRPr lang="zh-CN" altLang="en-US" sz="1600">
-              <a:latin typeface="宋体" panose="02010600030101010101" pitchFamily="2" charset="-122"/>
-              <a:ea typeface="宋体" panose="02010600030101010101" pitchFamily="2" charset="-122"/>
-              <a:cs typeface="宋体" panose="02010600030101010101" pitchFamily="2" charset="-122"/>
-            </a:endParaRPr>
-          </a:p>
-          <a:p>
-            <a:r>
-              <a:rPr lang="zh-CN" altLang="en-US" sz="1600">
-                <a:latin typeface="宋体" panose="02010600030101010101" pitchFamily="2" charset="-122"/>
-                <a:ea typeface="宋体" panose="02010600030101010101" pitchFamily="2" charset="-122"/>
-                <a:cs typeface="宋体" panose="02010600030101010101" pitchFamily="2" charset="-122"/>
-              </a:rPr>
-              <a:t>可以看出连接方式是新建了一个包含两个长度的字符数组，然后进行连接。</a:t>
-            </a:r>
-            <a:endParaRPr lang="zh-CN" altLang="en-US" sz="1600">
-              <a:latin typeface="宋体" panose="02010600030101010101" pitchFamily="2" charset="-122"/>
-              <a:ea typeface="宋体" panose="02010600030101010101" pitchFamily="2" charset="-122"/>
-              <a:cs typeface="宋体" panose="02010600030101010101" pitchFamily="2" charset="-122"/>
-            </a:endParaRPr>
-          </a:p>
-          <a:p>
-            <a:endParaRPr lang="zh-CN" altLang="en-US" sz="1600">
-              <a:latin typeface="宋体" panose="02010600030101010101" pitchFamily="2" charset="-122"/>
-              <a:ea typeface="宋体" panose="02010600030101010101" pitchFamily="2" charset="-122"/>
-              <a:cs typeface="宋体" panose="02010600030101010101" pitchFamily="2" charset="-122"/>
-            </a:endParaRPr>
-          </a:p>
-          <a:p>
-            <a:r>
-              <a:rPr lang="zh-CN" altLang="en-US" sz="1600">
-                <a:latin typeface="宋体" panose="02010600030101010101" pitchFamily="2" charset="-122"/>
-                <a:ea typeface="宋体" panose="02010600030101010101" pitchFamily="2" charset="-122"/>
-                <a:cs typeface="宋体" panose="02010600030101010101" pitchFamily="2" charset="-122"/>
-              </a:rPr>
-              <a:t>2.StringBuilder 中存储字符串其实用的是一个char数组，capacity其实就是指定这个char数组的大小，StringBuilder的连接方法是继承AbstractStringBuilder的方法的，线程不安全的</a:t>
-            </a:r>
-            <a:endParaRPr lang="zh-CN" altLang="en-US" sz="1600">
-              <a:latin typeface="宋体" panose="02010600030101010101" pitchFamily="2" charset="-122"/>
-              <a:ea typeface="宋体" panose="02010600030101010101" pitchFamily="2" charset="-122"/>
-              <a:cs typeface="宋体" panose="02010600030101010101" pitchFamily="2" charset="-122"/>
-            </a:endParaRPr>
-          </a:p>
-          <a:p>
-            <a:r>
-              <a:rPr lang="zh-CN" altLang="en-US" sz="1600">
-                <a:latin typeface="宋体" panose="02010600030101010101" pitchFamily="2" charset="-122"/>
-                <a:ea typeface="宋体" panose="02010600030101010101" pitchFamily="2" charset="-122"/>
-                <a:cs typeface="宋体" panose="02010600030101010101" pitchFamily="2" charset="-122"/>
-              </a:rPr>
-              <a:t>在append(str)函数调用的时候，首先会判断原来用于存储字符串的values的字符串数组有没有足够的大小来存储将要新添加入StringBuilder的字符串。如果不够用，那么就调用expandCapacity(int minimumCapacity)让容量翻两倍(一般是扩大两倍）</a:t>
-            </a:r>
-            <a:endParaRPr lang="zh-CN" altLang="en-US" sz="1600">
-              <a:latin typeface="宋体" panose="02010600030101010101" pitchFamily="2" charset="-122"/>
-              <a:ea typeface="宋体" panose="02010600030101010101" pitchFamily="2" charset="-122"/>
-              <a:cs typeface="宋体" panose="02010600030101010101" pitchFamily="2" charset="-122"/>
-            </a:endParaRPr>
-          </a:p>
-          <a:p>
-            <a:endParaRPr lang="zh-CN" altLang="en-US" sz="1600">
-              <a:latin typeface="宋体" panose="02010600030101010101" pitchFamily="2" charset="-122"/>
-              <a:ea typeface="宋体" panose="02010600030101010101" pitchFamily="2" charset="-122"/>
-              <a:cs typeface="宋体" panose="02010600030101010101" pitchFamily="2" charset="-122"/>
-            </a:endParaRPr>
-          </a:p>
-          <a:p>
-            <a:r>
-              <a:rPr lang="zh-CN" altLang="en-US" sz="1600">
-                <a:latin typeface="宋体" panose="02010600030101010101" pitchFamily="2" charset="-122"/>
-                <a:ea typeface="宋体" panose="02010600030101010101" pitchFamily="2" charset="-122"/>
-                <a:cs typeface="宋体" panose="02010600030101010101" pitchFamily="2" charset="-122"/>
-              </a:rPr>
-              <a:t>3.StringBuffer 的连接方法，利用了同步（synchronized关键字），线程安全的，但这样会相对的降低速度。</a:t>
-            </a:r>
-            <a:endParaRPr lang="zh-CN" altLang="en-US" sz="1600">
-              <a:latin typeface="宋体" panose="02010600030101010101" pitchFamily="2" charset="-122"/>
-              <a:ea typeface="宋体" panose="02010600030101010101" pitchFamily="2" charset="-122"/>
-              <a:cs typeface="宋体" panose="02010600030101010101" pitchFamily="2" charset="-122"/>
-            </a:endParaRPr>
-          </a:p>
-          <a:p>
-            <a:endParaRPr lang="zh-CN" altLang="en-US" sz="1600">
-              <a:latin typeface="宋体" panose="02010600030101010101" pitchFamily="2" charset="-122"/>
-              <a:ea typeface="宋体" panose="02010600030101010101" pitchFamily="2" charset="-122"/>
-              <a:cs typeface="宋体" panose="02010600030101010101" pitchFamily="2" charset="-122"/>
-            </a:endParaRPr>
-          </a:p>
-          <a:p>
-            <a:r>
-              <a:rPr lang="zh-CN" altLang="en-US" sz="1600">
-                <a:latin typeface="宋体" panose="02010600030101010101" pitchFamily="2" charset="-122"/>
-                <a:ea typeface="宋体" panose="02010600030101010101" pitchFamily="2" charset="-122"/>
-                <a:cs typeface="宋体" panose="02010600030101010101" pitchFamily="2" charset="-122"/>
-              </a:rPr>
-              <a:t>4.“+”号拼接</a:t>
-            </a:r>
-            <a:endParaRPr lang="zh-CN" altLang="en-US" sz="1600">
-              <a:latin typeface="宋体" panose="02010600030101010101" pitchFamily="2" charset="-122"/>
-              <a:ea typeface="宋体" panose="02010600030101010101" pitchFamily="2" charset="-122"/>
-              <a:cs typeface="宋体" panose="02010600030101010101" pitchFamily="2" charset="-122"/>
-            </a:endParaRPr>
-          </a:p>
-          <a:p>
-            <a:r>
-              <a:rPr lang="zh-CN" altLang="en-US" sz="1600">
-                <a:latin typeface="宋体" panose="02010600030101010101" pitchFamily="2" charset="-122"/>
-                <a:ea typeface="宋体" panose="02010600030101010101" pitchFamily="2" charset="-122"/>
-                <a:cs typeface="宋体" panose="02010600030101010101" pitchFamily="2" charset="-122"/>
-              </a:rPr>
-              <a:t>利用+进行拼接的时候会将+号的拼接方式变换成StringBuilder的append方式，也就是说每次利用+会建立一个StringBuilder。因此，在循环内部意味着每执行一次循环，就会创建一个StringBuilder对象。因此循环里面不要用+号，在循环外面建立一个StringBuilder或StirngBuffer。</a:t>
-            </a:r>
-            <a:endParaRPr lang="zh-CN" altLang="en-US" sz="1600">
-              <a:latin typeface="宋体" panose="02010600030101010101" pitchFamily="2" charset="-122"/>
-              <a:ea typeface="宋体" panose="02010600030101010101" pitchFamily="2" charset="-122"/>
-              <a:cs typeface="宋体" panose="02010600030101010101" pitchFamily="2" charset="-122"/>
-            </a:endParaRPr>
-          </a:p>
-        </p:txBody>
-      </p:sp>
-      <p:pic>
-        <p:nvPicPr>
-          <p:cNvPr id="2" name="图片 1"/>
-          <p:cNvPicPr>
-            <a:picLocks noChangeAspect="1"/>
-          </p:cNvPicPr>
-          <p:nvPr/>
-        </p:nvPicPr>
-        <p:blipFill>
-          <a:blip r:embed="rId2"/>
-          <a:stretch>
-            <a:fillRect/>
-          </a:stretch>
-        </p:blipFill>
-        <p:spPr>
-          <a:xfrm>
-            <a:off x="7337425" y="1603375"/>
-            <a:ext cx="4236720" cy="4617720"/>
-          </a:xfrm>
-          <a:prstGeom prst="rect">
-            <a:avLst/>
-          </a:prstGeom>
-        </p:spPr>
-      </p:pic>
-    </p:spTree>
-    <p:custDataLst>
-      <p:tags r:id="rId3"/>
-    </p:custDataLst>
-  </p:cSld>
-  <p:clrMapOvr>
-    <a:masterClrMapping/>
-  </p:clrMapOvr>
-</p:sld>
-</file>
-
-<file path=ppt/slides/slide11.xml><?xml version="1.0" encoding="utf-8"?>
-<p:sld xmlns:a="http://schemas.openxmlformats.org/drawingml/2006/main" xmlns:r="http://schemas.openxmlformats.org/officeDocument/2006/relationships" xmlns:p="http://schemas.openxmlformats.org/presentationml/2006/main">
-  <p:cSld>
-    <p:bg>
-      <p:bgPr>
-        <a:blipFill rotWithShape="1">
-          <a:blip r:embed="rId1"/>
-          <a:stretch>
-            <a:fillRect/>
-          </a:stretch>
-        </a:blipFill>
-        <a:effectLst/>
-      </p:bgPr>
-    </p:bg>
-    <p:spTree>
-      <p:nvGrpSpPr>
-        <p:cNvPr id="1" name=""/>
-        <p:cNvGrpSpPr/>
-        <p:nvPr/>
-      </p:nvGrpSpPr>
-      <p:grpSpPr/>
-      <p:sp>
-        <p:nvSpPr>
           <p:cNvPr id="13" name="椭圆 12"/>
           <p:cNvSpPr/>
           <p:nvPr/>
@@ -7150,7 +6929,7 @@
         </p:blipFill>
         <p:spPr>
           <a:xfrm>
-            <a:off x="7092315" y="1533525"/>
+            <a:off x="8636635" y="1493520"/>
             <a:ext cx="3098800" cy="717550"/>
           </a:xfrm>
           <a:prstGeom prst="rect">
@@ -7166,7 +6945,7 @@
         </p:nvSpPr>
         <p:spPr>
           <a:xfrm>
-            <a:off x="6856095" y="1348105"/>
+            <a:off x="8400415" y="1308100"/>
             <a:ext cx="3517900" cy="1088390"/>
           </a:xfrm>
           <a:prstGeom prst="rect">
@@ -7224,7 +7003,7 @@
         </p:nvSpPr>
         <p:spPr>
           <a:xfrm>
-            <a:off x="6856095" y="2534920"/>
+            <a:off x="8400415" y="2494915"/>
             <a:ext cx="3517900" cy="329565"/>
           </a:xfrm>
           <a:prstGeom prst="rect">
@@ -7285,7 +7064,7 @@
         </p:nvSpPr>
         <p:spPr>
           <a:xfrm>
-            <a:off x="7844155" y="925195"/>
+            <a:off x="9388475" y="885190"/>
             <a:ext cx="1541780" cy="329565"/>
           </a:xfrm>
           <a:prstGeom prst="rect">
@@ -8030,7 +7809,7 @@
 </p:sld>
 </file>
 
-<file path=ppt/slides/slide12.xml><?xml version="1.0" encoding="utf-8"?>
+<file path=ppt/slides/slide11.xml><?xml version="1.0" encoding="utf-8"?>
 <p:sld xmlns:a="http://schemas.openxmlformats.org/drawingml/2006/main" xmlns:r="http://schemas.openxmlformats.org/officeDocument/2006/relationships" xmlns:p="http://schemas.openxmlformats.org/presentationml/2006/main">
   <p:cSld>
     <p:bg>
@@ -9366,7 +9145,7 @@
 </p:sld>
 </file>
 
-<file path=ppt/slides/slide13.xml><?xml version="1.0" encoding="utf-8"?>
+<file path=ppt/slides/slide12.xml><?xml version="1.0" encoding="utf-8"?>
 <p:sld xmlns:a="http://schemas.openxmlformats.org/drawingml/2006/main" xmlns:r="http://schemas.openxmlformats.org/officeDocument/2006/relationships" xmlns:p="http://schemas.openxmlformats.org/presentationml/2006/main">
   <p:cSld>
     <p:bg>
@@ -9740,38 +9519,6 @@
                   <a:schemeClr val="tx1"/>
                 </a:solidFill>
               </a:rPr>
-              <a:t>        </a:t>
-            </a:r>
-            <a:endParaRPr lang="zh-CN" altLang="en-US" sz="1200">
-              <a:solidFill>
-                <a:schemeClr val="tx1"/>
-              </a:solidFill>
-            </a:endParaRPr>
-          </a:p>
-          <a:p>
-            <a:pPr algn="l"/>
-            <a:endParaRPr lang="zh-CN" altLang="en-US" sz="1200">
-              <a:solidFill>
-                <a:schemeClr val="tx1"/>
-              </a:solidFill>
-            </a:endParaRPr>
-          </a:p>
-          <a:p>
-            <a:pPr algn="l"/>
-            <a:endParaRPr lang="zh-CN" altLang="en-US" sz="1200">
-              <a:solidFill>
-                <a:schemeClr val="tx1"/>
-              </a:solidFill>
-            </a:endParaRPr>
-          </a:p>
-          <a:p>
-            <a:pPr algn="l"/>
-            <a:r>
-              <a:rPr lang="zh-CN" altLang="en-US" sz="1200">
-                <a:solidFill>
-                  <a:schemeClr val="tx1"/>
-                </a:solidFill>
-              </a:rPr>
               <a:t>        // concat</a:t>
             </a:r>
             <a:endParaRPr lang="zh-CN" altLang="en-US" sz="1200">
@@ -9918,8 +9665,8 @@
         </p:nvSpPr>
         <p:spPr>
           <a:xfrm>
-            <a:off x="5648325" y="2047875"/>
-            <a:ext cx="6365875" cy="4012565"/>
+            <a:off x="5648325" y="2229485"/>
+            <a:ext cx="6365875" cy="3547745"/>
           </a:xfrm>
           <a:prstGeom prst="rect">
             <a:avLst/>
@@ -9959,22 +9706,6 @@
                   <a:schemeClr val="tx1"/>
                 </a:solidFill>
               </a:rPr>
-              <a:t>        </a:t>
-            </a:r>
-            <a:endParaRPr lang="zh-CN" altLang="en-US" sz="1200">
-              <a:solidFill>
-                <a:schemeClr val="tx1"/>
-              </a:solidFill>
-            </a:endParaRPr>
-          </a:p>
-          <a:p>
-            <a:pPr algn="l"/>
-            <a:r>
-              <a:rPr lang="zh-CN" altLang="en-US" sz="1200">
-                <a:solidFill>
-                  <a:schemeClr val="tx1"/>
-                </a:solidFill>
-              </a:rPr>
               <a:t>        // StringBuilder</a:t>
             </a:r>
             <a:endParaRPr lang="zh-CN" altLang="en-US" sz="1200">
@@ -10281,7 +10012,7 @@
         </p:nvSpPr>
         <p:spPr>
           <a:xfrm>
-            <a:off x="10311130" y="5849620"/>
+            <a:off x="10621010" y="2334260"/>
             <a:ext cx="1303020" cy="456565"/>
           </a:xfrm>
           <a:prstGeom prst="rect">
@@ -10334,6 +10065,84 @@
           </a:p>
         </p:txBody>
       </p:sp>
+      <p:sp>
+        <p:nvSpPr>
+          <p:cNvPr id="11" name="云形标注 10"/>
+          <p:cNvSpPr/>
+          <p:nvPr/>
+        </p:nvSpPr>
+        <p:spPr>
+          <a:xfrm>
+            <a:off x="9320530" y="798195"/>
+            <a:ext cx="2258695" cy="1302385"/>
+          </a:xfrm>
+          <a:prstGeom prst="cloudCallout">
+            <a:avLst>
+              <a:gd name="adj1" fmla="val -48256"/>
+              <a:gd name="adj2" fmla="val 91101"/>
+            </a:avLst>
+          </a:prstGeom>
+          <a:solidFill>
+            <a:srgbClr val="DBEEDF"/>
+          </a:solidFill>
+          <a:ln>
+            <a:solidFill>
+              <a:srgbClr val="DBEEDF"/>
+            </a:solidFill>
+          </a:ln>
+        </p:spPr>
+        <p:style>
+          <a:lnRef idx="2">
+            <a:schemeClr val="accent1">
+              <a:shade val="50000"/>
+            </a:schemeClr>
+          </a:lnRef>
+          <a:fillRef idx="1">
+            <a:schemeClr val="accent1"/>
+          </a:fillRef>
+          <a:effectRef idx="0">
+            <a:schemeClr val="accent1"/>
+          </a:effectRef>
+          <a:fontRef idx="minor">
+            <a:schemeClr val="lt1"/>
+          </a:fontRef>
+        </p:style>
+        <p:txBody>
+          <a:bodyPr rtlCol="0" anchor="ctr"/>
+          <a:p>
+            <a:pPr algn="ctr"/>
+            <a:r>
+              <a:rPr lang="zh-CN" altLang="en-US">
+                <a:solidFill>
+                  <a:srgbClr val="F7AF3F"/>
+                </a:solidFill>
+              </a:rPr>
+              <a:t>能力拓展</a:t>
+            </a:r>
+            <a:endParaRPr lang="zh-CN" altLang="en-US">
+              <a:solidFill>
+                <a:srgbClr val="F7AF3F"/>
+              </a:solidFill>
+            </a:endParaRPr>
+          </a:p>
+          <a:p>
+            <a:pPr algn="ctr"/>
+            <a:r>
+              <a:rPr lang="zh-CN" altLang="en-US">
+                <a:solidFill>
+                  <a:srgbClr val="F7AF3F"/>
+                </a:solidFill>
+              </a:rPr>
+              <a:t>（课后自学）</a:t>
+            </a:r>
+            <a:endParaRPr lang="zh-CN" altLang="en-US">
+              <a:solidFill>
+                <a:srgbClr val="F7AF3F"/>
+              </a:solidFill>
+            </a:endParaRPr>
+          </a:p>
+        </p:txBody>
+      </p:sp>
     </p:spTree>
     <p:custDataLst>
       <p:tags r:id="rId2"/>
@@ -10345,7 +10154,7 @@
 </p:sld>
 </file>
 
-<file path=ppt/slides/slide14.xml><?xml version="1.0" encoding="utf-8"?>
+<file path=ppt/slides/slide13.xml><?xml version="1.0" encoding="utf-8"?>
 <p:sld xmlns:a="http://schemas.openxmlformats.org/drawingml/2006/main" xmlns:r="http://schemas.openxmlformats.org/officeDocument/2006/relationships" xmlns:p="http://schemas.openxmlformats.org/presentationml/2006/main">
   <p:cSld>
     <p:bg>
@@ -10436,7 +10245,7 @@
 </p:sld>
 </file>
 
-<file path=ppt/slides/slide15.xml><?xml version="1.0" encoding="utf-8"?>
+<file path=ppt/slides/slide14.xml><?xml version="1.0" encoding="utf-8"?>
 <p:sld xmlns:a="http://schemas.openxmlformats.org/drawingml/2006/main" xmlns:r="http://schemas.openxmlformats.org/officeDocument/2006/relationships" xmlns:p="http://schemas.openxmlformats.org/presentationml/2006/main">
   <p:cSld>
     <p:bg>
@@ -10484,7 +10293,7 @@
                 <a:ea typeface="宋体" panose="02010600030101010101" pitchFamily="2" charset="-122"/>
                 <a:cs typeface="宋体" panose="02010600030101010101" pitchFamily="2" charset="-122"/>
               </a:rPr>
-              <a:t>字母前面加上捺斜线"\"来表示常见的那些不能显示的ASCII字符.称为转义字符.如\0,\t,\n等，就称为转义字符，因为后面的字符，都不是它本来的ASCII字符意思了。</a:t>
+              <a:t>字母前面加上斜线"\"来表示常见的那些不能显示的ASCII字符.称为转义字符.如\0,\t,\n等，就称为转义字符，因为后面的字符，都不是它本来的ASCII字符意思了。</a:t>
             </a:r>
             <a:endParaRPr lang="en-US" altLang="zh-CN" sz="1600">
               <a:latin typeface="宋体" panose="02010600030101010101" pitchFamily="2" charset="-122"/>
@@ -10829,7 +10638,7 @@
 </p:sld>
 </file>
 
-<file path=ppt/slides/slide16.xml><?xml version="1.0" encoding="utf-8"?>
+<file path=ppt/slides/slide15.xml><?xml version="1.0" encoding="utf-8"?>
 <p:sld xmlns:a="http://schemas.openxmlformats.org/drawingml/2006/main" xmlns:r="http://schemas.openxmlformats.org/officeDocument/2006/relationships" xmlns:p="http://schemas.openxmlformats.org/presentationml/2006/main">
   <p:cSld>
     <p:bg>
@@ -10920,7 +10729,7 @@
 </p:sld>
 </file>
 
-<file path=ppt/slides/slide17.xml><?xml version="1.0" encoding="utf-8"?>
+<file path=ppt/slides/slide16.xml><?xml version="1.0" encoding="utf-8"?>
 <p:sld xmlns:a="http://schemas.openxmlformats.org/drawingml/2006/main" xmlns:r="http://schemas.openxmlformats.org/officeDocument/2006/relationships" xmlns:p="http://schemas.openxmlformats.org/presentationml/2006/main">
   <p:cSld>
     <p:bg>
@@ -10976,7 +10785,7 @@
 </p:sld>
 </file>
 
-<file path=ppt/slides/slide18.xml><?xml version="1.0" encoding="utf-8"?>
+<file path=ppt/slides/slide17.xml><?xml version="1.0" encoding="utf-8"?>
 <p:sld xmlns:a="http://schemas.openxmlformats.org/drawingml/2006/main" xmlns:r="http://schemas.openxmlformats.org/officeDocument/2006/relationships" xmlns:p="http://schemas.openxmlformats.org/presentationml/2006/main">
   <p:cSld>
     <p:bg>
@@ -11032,7 +10841,7 @@
 </p:sld>
 </file>
 
-<file path=ppt/slides/slide19.xml><?xml version="1.0" encoding="utf-8"?>
+<file path=ppt/slides/slide18.xml><?xml version="1.0" encoding="utf-8"?>
 <p:sld xmlns:a="http://schemas.openxmlformats.org/drawingml/2006/main" xmlns:r="http://schemas.openxmlformats.org/officeDocument/2006/relationships" xmlns:p="http://schemas.openxmlformats.org/presentationml/2006/main">
   <p:cSld>
     <p:bg>
@@ -11088,302 +10897,7 @@
 </p:sld>
 </file>
 
-<file path=ppt/slides/slide2.xml><?xml version="1.0" encoding="utf-8"?>
-<p:sld xmlns:a="http://schemas.openxmlformats.org/drawingml/2006/main" xmlns:r="http://schemas.openxmlformats.org/officeDocument/2006/relationships" xmlns:p="http://schemas.openxmlformats.org/presentationml/2006/main">
-  <p:cSld>
-    <p:bg>
-      <p:bgPr>
-        <a:blipFill rotWithShape="1">
-          <a:blip r:embed="rId1"/>
-          <a:stretch>
-            <a:fillRect/>
-          </a:stretch>
-        </a:blipFill>
-        <a:effectLst/>
-      </p:bgPr>
-    </p:bg>
-    <p:spTree>
-      <p:nvGrpSpPr>
-        <p:cNvPr id="1" name=""/>
-        <p:cNvGrpSpPr/>
-        <p:nvPr/>
-      </p:nvGrpSpPr>
-      <p:grpSpPr/>
-      <p:sp>
-        <p:nvSpPr>
-          <p:cNvPr id="3" name="文本框 2"/>
-          <p:cNvSpPr txBox="1"/>
-          <p:nvPr/>
-        </p:nvSpPr>
-        <p:spPr>
-          <a:xfrm>
-            <a:off x="1641475" y="1912620"/>
-            <a:ext cx="7905115" cy="368300"/>
-          </a:xfrm>
-          <a:prstGeom prst="rect">
-            <a:avLst/>
-          </a:prstGeom>
-          <a:noFill/>
-        </p:spPr>
-        <p:txBody>
-          <a:bodyPr wrap="square" rtlCol="0">
-            <a:spAutoFit/>
-          </a:bodyPr>
-          <a:p>
-            <a:r>
-              <a:rPr lang="en-US" altLang="zh-CN"/>
-              <a:t>2</a:t>
-            </a:r>
-            <a:r>
-              <a:rPr lang="zh-CN" altLang="en-US"/>
-              <a:t>、</a:t>
-            </a:r>
-            <a:r>
-              <a:rPr lang="zh-CN" altLang="en-US"/>
-              <a:t>字符串常量池</a:t>
-            </a:r>
-            <a:endParaRPr lang="zh-CN" altLang="en-US"/>
-          </a:p>
-        </p:txBody>
-      </p:sp>
-      <p:sp>
-        <p:nvSpPr>
-          <p:cNvPr id="6" name="文本框 5"/>
-          <p:cNvSpPr txBox="1"/>
-          <p:nvPr/>
-        </p:nvSpPr>
-        <p:spPr>
-          <a:xfrm>
-            <a:off x="1641475" y="2557780"/>
-            <a:ext cx="7905750" cy="368300"/>
-          </a:xfrm>
-          <a:prstGeom prst="rect">
-            <a:avLst/>
-          </a:prstGeom>
-          <a:noFill/>
-        </p:spPr>
-        <p:txBody>
-          <a:bodyPr wrap="square" rtlCol="0">
-            <a:spAutoFit/>
-          </a:bodyPr>
-          <a:p>
-            <a:r>
-              <a:rPr lang="en-US" altLang="zh-CN"/>
-              <a:t>3</a:t>
-            </a:r>
-            <a:r>
-              <a:rPr lang="zh-CN" altLang="en-US"/>
-              <a:t>、</a:t>
-            </a:r>
-            <a:r>
-              <a:rPr lang="zh-CN" altLang="en-US"/>
-              <a:t>字符串连接</a:t>
-            </a:r>
-            <a:endParaRPr lang="zh-CN" altLang="en-US"/>
-          </a:p>
-        </p:txBody>
-      </p:sp>
-      <p:sp>
-        <p:nvSpPr>
-          <p:cNvPr id="7" name="文本框 6"/>
-          <p:cNvSpPr txBox="1"/>
-          <p:nvPr/>
-        </p:nvSpPr>
-        <p:spPr>
-          <a:xfrm>
-            <a:off x="1641475" y="3112770"/>
-            <a:ext cx="7905115" cy="368300"/>
-          </a:xfrm>
-          <a:prstGeom prst="rect">
-            <a:avLst/>
-          </a:prstGeom>
-          <a:noFill/>
-        </p:spPr>
-        <p:txBody>
-          <a:bodyPr wrap="square" rtlCol="0">
-            <a:spAutoFit/>
-          </a:bodyPr>
-          <a:p>
-            <a:r>
-              <a:rPr lang="en-US" altLang="zh-CN"/>
-              <a:t>4</a:t>
-            </a:r>
-            <a:r>
-              <a:rPr lang="zh-CN" altLang="en-US"/>
-              <a:t>、</a:t>
-            </a:r>
-            <a:r>
-              <a:rPr lang="zh-CN" altLang="en-US"/>
-              <a:t>字符串转义</a:t>
-            </a:r>
-            <a:endParaRPr lang="zh-CN" altLang="en-US"/>
-          </a:p>
-        </p:txBody>
-      </p:sp>
-      <p:sp>
-        <p:nvSpPr>
-          <p:cNvPr id="8" name="文本框 7"/>
-          <p:cNvSpPr txBox="1"/>
-          <p:nvPr/>
-        </p:nvSpPr>
-        <p:spPr>
-          <a:xfrm>
-            <a:off x="1641475" y="3731895"/>
-            <a:ext cx="7905115" cy="368300"/>
-          </a:xfrm>
-          <a:prstGeom prst="rect">
-            <a:avLst/>
-          </a:prstGeom>
-          <a:noFill/>
-        </p:spPr>
-        <p:txBody>
-          <a:bodyPr wrap="square" rtlCol="0">
-            <a:spAutoFit/>
-          </a:bodyPr>
-          <a:p>
-            <a:r>
-              <a:rPr lang="en-US" altLang="zh-CN"/>
-              <a:t>5</a:t>
-            </a:r>
-            <a:r>
-              <a:rPr lang="zh-CN" altLang="en-US"/>
-              <a:t>、</a:t>
-            </a:r>
-            <a:r>
-              <a:rPr lang="zh-CN" altLang="en-US"/>
-              <a:t>字符串类常用方法</a:t>
-            </a:r>
-            <a:endParaRPr lang="zh-CN" altLang="en-US"/>
-          </a:p>
-        </p:txBody>
-      </p:sp>
-      <p:sp>
-        <p:nvSpPr>
-          <p:cNvPr id="9" name="文本框 8"/>
-          <p:cNvSpPr txBox="1"/>
-          <p:nvPr/>
-        </p:nvSpPr>
-        <p:spPr>
-          <a:xfrm>
-            <a:off x="1641475" y="4349750"/>
-            <a:ext cx="7905115" cy="368300"/>
-          </a:xfrm>
-          <a:prstGeom prst="rect">
-            <a:avLst/>
-          </a:prstGeom>
-          <a:noFill/>
-        </p:spPr>
-        <p:txBody>
-          <a:bodyPr wrap="square" rtlCol="0">
-            <a:spAutoFit/>
-          </a:bodyPr>
-          <a:p>
-            <a:r>
-              <a:rPr lang="en-US" altLang="zh-CN"/>
-              <a:t>6</a:t>
-            </a:r>
-            <a:r>
-              <a:rPr lang="zh-CN" altLang="en-US"/>
-              <a:t>、</a:t>
-            </a:r>
-            <a:r>
-              <a:rPr lang="zh-CN" altLang="en-US"/>
-              <a:t>字符串格式化</a:t>
-            </a:r>
-            <a:endParaRPr lang="zh-CN" altLang="en-US"/>
-          </a:p>
-        </p:txBody>
-      </p:sp>
-      <p:sp>
-        <p:nvSpPr>
-          <p:cNvPr id="10" name="文本框 9"/>
-          <p:cNvSpPr txBox="1"/>
-          <p:nvPr/>
-        </p:nvSpPr>
-        <p:spPr>
-          <a:xfrm>
-            <a:off x="1641475" y="4977765"/>
-            <a:ext cx="7905115" cy="368300"/>
-          </a:xfrm>
-          <a:prstGeom prst="rect">
-            <a:avLst/>
-          </a:prstGeom>
-          <a:noFill/>
-        </p:spPr>
-        <p:txBody>
-          <a:bodyPr wrap="square" rtlCol="0">
-            <a:spAutoFit/>
-          </a:bodyPr>
-          <a:p>
-            <a:r>
-              <a:rPr lang="en-US" altLang="zh-CN"/>
-              <a:t>7</a:t>
-            </a:r>
-            <a:r>
-              <a:rPr lang="zh-CN" altLang="en-US"/>
-              <a:t>、</a:t>
-            </a:r>
-            <a:r>
-              <a:rPr lang="zh-CN" altLang="en-US"/>
-              <a:t>使用 </a:t>
-            </a:r>
-            <a:r>
-              <a:rPr lang="en-US" altLang="zh-CN"/>
-              <a:t>UUID</a:t>
-            </a:r>
-            <a:endParaRPr lang="en-US" altLang="zh-CN"/>
-          </a:p>
-        </p:txBody>
-      </p:sp>
-      <p:sp>
-        <p:nvSpPr>
-          <p:cNvPr id="2" name="文本框 1"/>
-          <p:cNvSpPr txBox="1"/>
-          <p:nvPr/>
-        </p:nvSpPr>
-        <p:spPr>
-          <a:xfrm>
-            <a:off x="1641475" y="1394460"/>
-            <a:ext cx="7905115" cy="368300"/>
-          </a:xfrm>
-          <a:prstGeom prst="rect">
-            <a:avLst/>
-          </a:prstGeom>
-          <a:noFill/>
-        </p:spPr>
-        <p:txBody>
-          <a:bodyPr wrap="square" rtlCol="0">
-            <a:spAutoFit/>
-          </a:bodyPr>
-          <a:p>
-            <a:r>
-              <a:rPr lang="en-US" altLang="zh-CN"/>
-              <a:t>1</a:t>
-            </a:r>
-            <a:r>
-              <a:rPr lang="zh-CN" altLang="en-US"/>
-              <a:t>、</a:t>
-            </a:r>
-            <a:r>
-              <a:rPr lang="zh-CN" altLang="en-US"/>
-              <a:t>字符串的不可变性</a:t>
-            </a:r>
-            <a:endParaRPr lang="zh-CN" altLang="en-US"/>
-          </a:p>
-        </p:txBody>
-      </p:sp>
-    </p:spTree>
-    <p:custDataLst>
-      <p:tags r:id="rId2"/>
-    </p:custDataLst>
-  </p:cSld>
-  <p:clrMapOvr>
-    <a:masterClrMapping/>
-  </p:clrMapOvr>
-</p:sld>
-</file>
-
-<file path=ppt/slides/slide20.xml><?xml version="1.0" encoding="utf-8"?>
+<file path=ppt/slides/slide19.xml><?xml version="1.0" encoding="utf-8"?>
 <p:sld xmlns:a="http://schemas.openxmlformats.org/drawingml/2006/main" xmlns:r="http://schemas.openxmlformats.org/officeDocument/2006/relationships" xmlns:p="http://schemas.openxmlformats.org/presentationml/2006/main">
   <p:cSld>
     <p:bg>
@@ -11879,6 +11393,22 @@
           </a:p>
           <a:p>
             <a:pPr algn="l"/>
+            <a:r>
+              <a:rPr lang="zh-CN" altLang="en-US" sz="1200">
+                <a:solidFill>
+                  <a:schemeClr val="tx1"/>
+                </a:solidFill>
+              </a:rPr>
+              <a:t>        System.out.println(Arrays.toString(str.split("o")));</a:t>
+            </a:r>
+            <a:endParaRPr lang="zh-CN" altLang="en-US" sz="1200">
+              <a:solidFill>
+                <a:schemeClr val="tx1"/>
+              </a:solidFill>
+            </a:endParaRPr>
+          </a:p>
+          <a:p>
+            <a:pPr algn="l"/>
             <a:endParaRPr lang="zh-CN" altLang="en-US" sz="1200">
               <a:solidFill>
                 <a:schemeClr val="tx1"/>
@@ -11936,7 +11466,7 @@
                   <a:schemeClr val="tx1"/>
                 </a:solidFill>
               </a:rPr>
-              <a:t>  System.out.println(str.replace("o", "O"));                // 替换全部,匹配字符串进行替换</a:t>
+              <a:t>        System.out.println(str.replace("o", "O"));                // 替换全部,匹配字符串进行替换</a:t>
             </a:r>
             <a:endParaRPr lang="zh-CN" altLang="en-US" sz="1200">
               <a:solidFill>
@@ -12168,7 +11698,302 @@
 </p:sld>
 </file>
 
-<file path=ppt/slides/slide21.xml><?xml version="1.0" encoding="utf-8"?>
+<file path=ppt/slides/slide2.xml><?xml version="1.0" encoding="utf-8"?>
+<p:sld xmlns:a="http://schemas.openxmlformats.org/drawingml/2006/main" xmlns:r="http://schemas.openxmlformats.org/officeDocument/2006/relationships" xmlns:p="http://schemas.openxmlformats.org/presentationml/2006/main">
+  <p:cSld>
+    <p:bg>
+      <p:bgPr>
+        <a:blipFill rotWithShape="1">
+          <a:blip r:embed="rId1"/>
+          <a:stretch>
+            <a:fillRect/>
+          </a:stretch>
+        </a:blipFill>
+        <a:effectLst/>
+      </p:bgPr>
+    </p:bg>
+    <p:spTree>
+      <p:nvGrpSpPr>
+        <p:cNvPr id="1" name=""/>
+        <p:cNvGrpSpPr/>
+        <p:nvPr/>
+      </p:nvGrpSpPr>
+      <p:grpSpPr/>
+      <p:sp>
+        <p:nvSpPr>
+          <p:cNvPr id="3" name="文本框 2"/>
+          <p:cNvSpPr txBox="1"/>
+          <p:nvPr/>
+        </p:nvSpPr>
+        <p:spPr>
+          <a:xfrm>
+            <a:off x="1641475" y="1912620"/>
+            <a:ext cx="7905115" cy="368300"/>
+          </a:xfrm>
+          <a:prstGeom prst="rect">
+            <a:avLst/>
+          </a:prstGeom>
+          <a:noFill/>
+        </p:spPr>
+        <p:txBody>
+          <a:bodyPr wrap="square" rtlCol="0">
+            <a:spAutoFit/>
+          </a:bodyPr>
+          <a:p>
+            <a:r>
+              <a:rPr lang="en-US" altLang="zh-CN"/>
+              <a:t>2</a:t>
+            </a:r>
+            <a:r>
+              <a:rPr lang="zh-CN" altLang="en-US"/>
+              <a:t>、</a:t>
+            </a:r>
+            <a:r>
+              <a:rPr lang="zh-CN" altLang="en-US"/>
+              <a:t>字符串常量池</a:t>
+            </a:r>
+            <a:endParaRPr lang="zh-CN" altLang="en-US"/>
+          </a:p>
+        </p:txBody>
+      </p:sp>
+      <p:sp>
+        <p:nvSpPr>
+          <p:cNvPr id="6" name="文本框 5"/>
+          <p:cNvSpPr txBox="1"/>
+          <p:nvPr/>
+        </p:nvSpPr>
+        <p:spPr>
+          <a:xfrm>
+            <a:off x="1641475" y="2557780"/>
+            <a:ext cx="7905750" cy="368300"/>
+          </a:xfrm>
+          <a:prstGeom prst="rect">
+            <a:avLst/>
+          </a:prstGeom>
+          <a:noFill/>
+        </p:spPr>
+        <p:txBody>
+          <a:bodyPr wrap="square" rtlCol="0">
+            <a:spAutoFit/>
+          </a:bodyPr>
+          <a:p>
+            <a:r>
+              <a:rPr lang="en-US" altLang="zh-CN"/>
+              <a:t>3</a:t>
+            </a:r>
+            <a:r>
+              <a:rPr lang="zh-CN" altLang="en-US"/>
+              <a:t>、</a:t>
+            </a:r>
+            <a:r>
+              <a:rPr lang="zh-CN" altLang="en-US"/>
+              <a:t>字符串连接</a:t>
+            </a:r>
+            <a:endParaRPr lang="zh-CN" altLang="en-US"/>
+          </a:p>
+        </p:txBody>
+      </p:sp>
+      <p:sp>
+        <p:nvSpPr>
+          <p:cNvPr id="7" name="文本框 6"/>
+          <p:cNvSpPr txBox="1"/>
+          <p:nvPr/>
+        </p:nvSpPr>
+        <p:spPr>
+          <a:xfrm>
+            <a:off x="1641475" y="3112770"/>
+            <a:ext cx="7905115" cy="368300"/>
+          </a:xfrm>
+          <a:prstGeom prst="rect">
+            <a:avLst/>
+          </a:prstGeom>
+          <a:noFill/>
+        </p:spPr>
+        <p:txBody>
+          <a:bodyPr wrap="square" rtlCol="0">
+            <a:spAutoFit/>
+          </a:bodyPr>
+          <a:p>
+            <a:r>
+              <a:rPr lang="en-US" altLang="zh-CN"/>
+              <a:t>4</a:t>
+            </a:r>
+            <a:r>
+              <a:rPr lang="zh-CN" altLang="en-US"/>
+              <a:t>、</a:t>
+            </a:r>
+            <a:r>
+              <a:rPr lang="zh-CN" altLang="en-US"/>
+              <a:t>字符串转义</a:t>
+            </a:r>
+            <a:endParaRPr lang="zh-CN" altLang="en-US"/>
+          </a:p>
+        </p:txBody>
+      </p:sp>
+      <p:sp>
+        <p:nvSpPr>
+          <p:cNvPr id="8" name="文本框 7"/>
+          <p:cNvSpPr txBox="1"/>
+          <p:nvPr/>
+        </p:nvSpPr>
+        <p:spPr>
+          <a:xfrm>
+            <a:off x="1641475" y="3731895"/>
+            <a:ext cx="7905115" cy="368300"/>
+          </a:xfrm>
+          <a:prstGeom prst="rect">
+            <a:avLst/>
+          </a:prstGeom>
+          <a:noFill/>
+        </p:spPr>
+        <p:txBody>
+          <a:bodyPr wrap="square" rtlCol="0">
+            <a:spAutoFit/>
+          </a:bodyPr>
+          <a:p>
+            <a:r>
+              <a:rPr lang="en-US" altLang="zh-CN"/>
+              <a:t>5</a:t>
+            </a:r>
+            <a:r>
+              <a:rPr lang="zh-CN" altLang="en-US"/>
+              <a:t>、</a:t>
+            </a:r>
+            <a:r>
+              <a:rPr lang="zh-CN" altLang="en-US"/>
+              <a:t>字符串类常用方法</a:t>
+            </a:r>
+            <a:endParaRPr lang="zh-CN" altLang="en-US"/>
+          </a:p>
+        </p:txBody>
+      </p:sp>
+      <p:sp>
+        <p:nvSpPr>
+          <p:cNvPr id="9" name="文本框 8"/>
+          <p:cNvSpPr txBox="1"/>
+          <p:nvPr/>
+        </p:nvSpPr>
+        <p:spPr>
+          <a:xfrm>
+            <a:off x="1641475" y="4349750"/>
+            <a:ext cx="7905115" cy="368300"/>
+          </a:xfrm>
+          <a:prstGeom prst="rect">
+            <a:avLst/>
+          </a:prstGeom>
+          <a:noFill/>
+        </p:spPr>
+        <p:txBody>
+          <a:bodyPr wrap="square" rtlCol="0">
+            <a:spAutoFit/>
+          </a:bodyPr>
+          <a:p>
+            <a:r>
+              <a:rPr lang="en-US" altLang="zh-CN"/>
+              <a:t>6</a:t>
+            </a:r>
+            <a:r>
+              <a:rPr lang="zh-CN" altLang="en-US"/>
+              <a:t>、</a:t>
+            </a:r>
+            <a:r>
+              <a:rPr lang="zh-CN" altLang="en-US"/>
+              <a:t>字符串格式化</a:t>
+            </a:r>
+            <a:endParaRPr lang="zh-CN" altLang="en-US"/>
+          </a:p>
+        </p:txBody>
+      </p:sp>
+      <p:sp>
+        <p:nvSpPr>
+          <p:cNvPr id="10" name="文本框 9"/>
+          <p:cNvSpPr txBox="1"/>
+          <p:nvPr/>
+        </p:nvSpPr>
+        <p:spPr>
+          <a:xfrm>
+            <a:off x="1641475" y="4977765"/>
+            <a:ext cx="7905115" cy="368300"/>
+          </a:xfrm>
+          <a:prstGeom prst="rect">
+            <a:avLst/>
+          </a:prstGeom>
+          <a:noFill/>
+        </p:spPr>
+        <p:txBody>
+          <a:bodyPr wrap="square" rtlCol="0">
+            <a:spAutoFit/>
+          </a:bodyPr>
+          <a:p>
+            <a:r>
+              <a:rPr lang="en-US" altLang="zh-CN"/>
+              <a:t>7</a:t>
+            </a:r>
+            <a:r>
+              <a:rPr lang="zh-CN" altLang="en-US"/>
+              <a:t>、</a:t>
+            </a:r>
+            <a:r>
+              <a:rPr lang="zh-CN" altLang="en-US"/>
+              <a:t>使用 </a:t>
+            </a:r>
+            <a:r>
+              <a:rPr lang="en-US" altLang="zh-CN"/>
+              <a:t>UUID</a:t>
+            </a:r>
+            <a:endParaRPr lang="en-US" altLang="zh-CN"/>
+          </a:p>
+        </p:txBody>
+      </p:sp>
+      <p:sp>
+        <p:nvSpPr>
+          <p:cNvPr id="2" name="文本框 1"/>
+          <p:cNvSpPr txBox="1"/>
+          <p:nvPr/>
+        </p:nvSpPr>
+        <p:spPr>
+          <a:xfrm>
+            <a:off x="1641475" y="1394460"/>
+            <a:ext cx="7905115" cy="368300"/>
+          </a:xfrm>
+          <a:prstGeom prst="rect">
+            <a:avLst/>
+          </a:prstGeom>
+          <a:noFill/>
+        </p:spPr>
+        <p:txBody>
+          <a:bodyPr wrap="square" rtlCol="0">
+            <a:spAutoFit/>
+          </a:bodyPr>
+          <a:p>
+            <a:r>
+              <a:rPr lang="en-US" altLang="zh-CN"/>
+              <a:t>1</a:t>
+            </a:r>
+            <a:r>
+              <a:rPr lang="zh-CN" altLang="en-US"/>
+              <a:t>、</a:t>
+            </a:r>
+            <a:r>
+              <a:rPr lang="zh-CN" altLang="en-US"/>
+              <a:t>字符串的不可变性</a:t>
+            </a:r>
+            <a:endParaRPr lang="zh-CN" altLang="en-US"/>
+          </a:p>
+        </p:txBody>
+      </p:sp>
+    </p:spTree>
+    <p:custDataLst>
+      <p:tags r:id="rId2"/>
+    </p:custDataLst>
+  </p:cSld>
+  <p:clrMapOvr>
+    <a:masterClrMapping/>
+  </p:clrMapOvr>
+</p:sld>
+</file>
+
+<file path=ppt/slides/slide20.xml><?xml version="1.0" encoding="utf-8"?>
 <p:sld xmlns:a="http://schemas.openxmlformats.org/drawingml/2006/main" xmlns:r="http://schemas.openxmlformats.org/officeDocument/2006/relationships" xmlns:p="http://schemas.openxmlformats.org/presentationml/2006/main">
   <p:cSld>
     <p:bg>
@@ -12253,7 +12078,7 @@
 </p:sld>
 </file>
 
-<file path=ppt/slides/slide22.xml><?xml version="1.0" encoding="utf-8"?>
+<file path=ppt/slides/slide21.xml><?xml version="1.0" encoding="utf-8"?>
 <p:sld xmlns:a="http://schemas.openxmlformats.org/drawingml/2006/main" xmlns:r="http://schemas.openxmlformats.org/officeDocument/2006/relationships" xmlns:p="http://schemas.openxmlformats.org/presentationml/2006/main">
   <p:cSld>
     <p:bg>
@@ -12501,7 +12326,7 @@
 </p:sld>
 </file>
 
-<file path=ppt/slides/slide23.xml><?xml version="1.0" encoding="utf-8"?>
+<file path=ppt/slides/slide22.xml><?xml version="1.0" encoding="utf-8"?>
 <p:sld xmlns:a="http://schemas.openxmlformats.org/drawingml/2006/main" xmlns:r="http://schemas.openxmlformats.org/officeDocument/2006/relationships" xmlns:p="http://schemas.openxmlformats.org/presentationml/2006/main">
   <p:cSld>
     <p:bg>
@@ -12851,7 +12676,7 @@
 </p:sld>
 </file>
 
-<file path=ppt/slides/slide24.xml><?xml version="1.0" encoding="utf-8"?>
+<file path=ppt/slides/slide23.xml><?xml version="1.0" encoding="utf-8"?>
 <p:sld xmlns:a="http://schemas.openxmlformats.org/drawingml/2006/main" xmlns:r="http://schemas.openxmlformats.org/officeDocument/2006/relationships" xmlns:p="http://schemas.openxmlformats.org/presentationml/2006/main">
   <p:cSld>
     <p:bg>
@@ -12942,7 +12767,7 @@
 </p:sld>
 </file>
 
-<file path=ppt/slides/slide25.xml><?xml version="1.0" encoding="utf-8"?>
+<file path=ppt/slides/slide24.xml><?xml version="1.0" encoding="utf-8"?>
 <p:sld xmlns:a="http://schemas.openxmlformats.org/drawingml/2006/main" xmlns:r="http://schemas.openxmlformats.org/officeDocument/2006/relationships" xmlns:p="http://schemas.openxmlformats.org/presentationml/2006/main">
   <p:cSld>
     <p:bg>
@@ -13050,7 +12875,7 @@
         <p:spPr>
           <a:xfrm>
             <a:off x="6812280" y="3309620"/>
-            <a:ext cx="3504565" cy="1703070"/>
+            <a:ext cx="3923665" cy="2203450"/>
           </a:xfrm>
           <a:prstGeom prst="rect">
             <a:avLst/>
@@ -13122,72 +12947,111 @@
                   <a:schemeClr val="tx1"/>
                 </a:solidFill>
               </a:rPr>
-              <a:t>        UUID uuid = UUID.randomUUID();</a:t>
-            </a:r>
-            <a:endParaRPr lang="zh-CN" altLang="en-US" sz="1200">
-              <a:solidFill>
-                <a:schemeClr val="tx1"/>
-              </a:solidFill>
-            </a:endParaRPr>
-          </a:p>
-          <a:p>
-            <a:pPr algn="l"/>
-            <a:r>
-              <a:rPr lang="zh-CN" altLang="en-US" sz="1200">
-                <a:solidFill>
-                  <a:schemeClr val="tx1"/>
-                </a:solidFill>
-                <a:sym typeface="+mn-ea"/>
-              </a:rPr>
-              <a:t>        // 用来生成数据库的主键id非常不错</a:t>
-            </a:r>
-            <a:endParaRPr lang="zh-CN" altLang="en-US" sz="1200">
-              <a:solidFill>
-                <a:schemeClr val="tx1"/>
-              </a:solidFill>
-            </a:endParaRPr>
-          </a:p>
-          <a:p>
-            <a:pPr algn="l"/>
-            <a:r>
-              <a:rPr lang="zh-CN" altLang="en-US" sz="1200">
-                <a:solidFill>
-                  <a:schemeClr val="tx1"/>
-                </a:solidFill>
-              </a:rPr>
-              <a:t>        String str = UUID.randomUUID().toString();         </a:t>
-            </a:r>
-            <a:endParaRPr lang="zh-CN" altLang="en-US" sz="1200">
-              <a:solidFill>
-                <a:schemeClr val="tx1"/>
-              </a:solidFill>
-            </a:endParaRPr>
-          </a:p>
-          <a:p>
-            <a:pPr algn="l"/>
-            <a:r>
-              <a:rPr lang="zh-CN" altLang="en-US" sz="1200">
-                <a:solidFill>
-                  <a:schemeClr val="tx1"/>
-                </a:solidFill>
-              </a:rPr>
-              <a:t>        </a:t>
-            </a:r>
-            <a:endParaRPr lang="zh-CN" altLang="en-US" sz="1200">
-              <a:solidFill>
-                <a:schemeClr val="tx1"/>
-              </a:solidFill>
-            </a:endParaRPr>
-          </a:p>
-          <a:p>
-            <a:pPr algn="l"/>
-            <a:r>
-              <a:rPr lang="zh-CN" altLang="en-US" sz="1200">
-                <a:solidFill>
-                  <a:schemeClr val="tx1"/>
-                </a:solidFill>
-              </a:rPr>
-              <a:t>        System.out.println(str);</a:t>
+              <a:t>        for (int i=0; i&lt;100; i++) {</a:t>
+            </a:r>
+            <a:endParaRPr lang="zh-CN" altLang="en-US" sz="1200">
+              <a:solidFill>
+                <a:schemeClr val="tx1"/>
+              </a:solidFill>
+            </a:endParaRPr>
+          </a:p>
+          <a:p>
+            <a:pPr algn="l"/>
+            <a:r>
+              <a:rPr lang="zh-CN" altLang="en-US" sz="1200">
+                <a:solidFill>
+                  <a:schemeClr val="tx1"/>
+                </a:solidFill>
+              </a:rPr>
+              <a:t>            // 使用静态工厂方法来创建 UUID 实例</a:t>
+            </a:r>
+            <a:endParaRPr lang="zh-CN" altLang="en-US" sz="1200">
+              <a:solidFill>
+                <a:schemeClr val="tx1"/>
+              </a:solidFill>
+            </a:endParaRPr>
+          </a:p>
+          <a:p>
+            <a:pPr algn="l"/>
+            <a:r>
+              <a:rPr lang="zh-CN" altLang="en-US" sz="1200">
+                <a:solidFill>
+                  <a:schemeClr val="tx1"/>
+                </a:solidFill>
+              </a:rPr>
+              <a:t>            UUID uuid = UUID.randomUUID();</a:t>
+            </a:r>
+            <a:endParaRPr lang="zh-CN" altLang="en-US" sz="1200">
+              <a:solidFill>
+                <a:schemeClr val="tx1"/>
+              </a:solidFill>
+            </a:endParaRPr>
+          </a:p>
+          <a:p>
+            <a:pPr algn="l"/>
+            <a:r>
+              <a:rPr lang="zh-CN" altLang="en-US" sz="1200">
+                <a:solidFill>
+                  <a:schemeClr val="tx1"/>
+                </a:solidFill>
+              </a:rPr>
+              <a:t>            // 用来生成数据库的主键id非常不错</a:t>
+            </a:r>
+            <a:endParaRPr lang="zh-CN" altLang="en-US" sz="1200">
+              <a:solidFill>
+                <a:schemeClr val="tx1"/>
+              </a:solidFill>
+            </a:endParaRPr>
+          </a:p>
+          <a:p>
+            <a:pPr algn="l"/>
+            <a:r>
+              <a:rPr lang="zh-CN" altLang="en-US" sz="1200">
+                <a:solidFill>
+                  <a:schemeClr val="tx1"/>
+                </a:solidFill>
+              </a:rPr>
+              <a:t>            String uuidStr = uuid.toString();</a:t>
+            </a:r>
+            <a:endParaRPr lang="zh-CN" altLang="en-US" sz="1200">
+              <a:solidFill>
+                <a:schemeClr val="tx1"/>
+              </a:solidFill>
+            </a:endParaRPr>
+          </a:p>
+          <a:p>
+            <a:pPr algn="l"/>
+            <a:endParaRPr lang="zh-CN" altLang="en-US" sz="1200">
+              <a:solidFill>
+                <a:schemeClr val="tx1"/>
+              </a:solidFill>
+            </a:endParaRPr>
+          </a:p>
+          <a:p>
+            <a:pPr algn="l"/>
+            <a:r>
+              <a:rPr lang="zh-CN" altLang="en-US" sz="1200">
+                <a:solidFill>
+                  <a:schemeClr val="tx1"/>
+                </a:solidFill>
+              </a:rPr>
+              <a:t>            System.out.println(uuidStr);</a:t>
+            </a:r>
+            <a:endParaRPr lang="zh-CN" altLang="en-US" sz="1200">
+              <a:solidFill>
+                <a:schemeClr val="tx1"/>
+              </a:solidFill>
+            </a:endParaRPr>
+          </a:p>
+          <a:p>
+            <a:pPr algn="l"/>
+            <a:r>
+              <a:rPr lang="zh-CN" altLang="en-US" sz="1200">
+                <a:solidFill>
+                  <a:schemeClr val="tx1"/>
+                </a:solidFill>
+              </a:rPr>
+              <a:t>        }</a:t>
             </a:r>
             <a:endParaRPr lang="zh-CN" altLang="en-US" sz="1200">
               <a:solidFill>
@@ -13221,7 +13085,7 @@
         </p:nvSpPr>
         <p:spPr>
           <a:xfrm>
-            <a:off x="8994140" y="4469130"/>
+            <a:off x="9394825" y="4999355"/>
             <a:ext cx="1248410" cy="429260"/>
           </a:xfrm>
           <a:prstGeom prst="rect">
@@ -13734,7 +13598,7 @@
 </p:sld>
 </file>
 
-<file path=ppt/slides/slide26.xml><?xml version="1.0" encoding="utf-8"?>
+<file path=ppt/slides/slide25.xml><?xml version="1.0" encoding="utf-8"?>
 <p:sld xmlns:a="http://schemas.openxmlformats.org/drawingml/2006/main" xmlns:r="http://schemas.openxmlformats.org/officeDocument/2006/relationships" xmlns:p="http://schemas.openxmlformats.org/presentationml/2006/main">
   <p:cSld>
     <p:bg>
@@ -14815,6 +14679,9 @@
           <a:solidFill>
             <a:srgbClr val="F59909"/>
           </a:solidFill>
+          <a:ln>
+            <a:noFill/>
+          </a:ln>
         </p:spPr>
         <p:style>
           <a:lnRef idx="2">
@@ -14861,6 +14728,9 @@
           <a:solidFill>
             <a:srgbClr val="F59909"/>
           </a:solidFill>
+          <a:ln>
+            <a:noFill/>
+          </a:ln>
         </p:spPr>
         <p:style>
           <a:lnRef idx="2">
@@ -14910,6 +14780,9 @@
           <a:solidFill>
             <a:srgbClr val="F59909"/>
           </a:solidFill>
+          <a:ln>
+            <a:noFill/>
+          </a:ln>
         </p:spPr>
         <p:style>
           <a:lnRef idx="2">
@@ -14956,6 +14829,9 @@
           <a:solidFill>
             <a:srgbClr val="F59909"/>
           </a:solidFill>
+          <a:ln>
+            <a:noFill/>
+          </a:ln>
         </p:spPr>
         <p:style>
           <a:lnRef idx="2">
@@ -16579,15 +16455,6 @@
 </file>
 
 <file path=ppt/tags/tag102.xml><?xml version="1.0" encoding="utf-8"?>
-<p:tagLst xmlns:p="http://schemas.openxmlformats.org/presentationml/2006/main">
-  <p:tag name="KSO_WM_BEAUTIFY_FLAG" val="#wm#"/>
-  <p:tag name="KSO_WM_TEMPLATE_CATEGORY" val="custom"/>
-  <p:tag name="KSO_WM_TEMPLATE_INDEX" val="20203858"/>
-  <p:tag name="KSO_WM_SPECIAL_SOURCE" val="bdnull"/>
-</p:tagLst>
-</file>
-
-<file path=ppt/tags/tag103.xml><?xml version="1.0" encoding="utf-8"?>
 <p:tagLst xmlns:p="http://schemas.openxmlformats.org/presentationml/2006/main">
   <p:tag name="KSO_WM_BEAUTIFY_FLAG" val="#wm#"/>
   <p:tag name="KSO_WM_TEMPLATE_CATEGORY" val="custom"/>
